--- a/SpringOne2GX_2015.pptx
+++ b/SpringOne2GX_2015.pptx
@@ -9278,7 +9278,12 @@
             <p:ph type="title"/>
           </p:nvPr>
         </p:nvSpPr>
-        <p:spPr/>
+        <p:spPr>
+          <a:xfrm>
+            <a:off x="381000" y="438150"/>
+            <a:ext cx="8453440" cy="633413"/>
+          </a:xfrm>
+        </p:spPr>
         <p:txBody>
           <a:bodyPr/>
           <a:lstStyle/>
@@ -9326,6 +9331,193 @@
               <a:t>2</a:t>
             </a:fld>
             <a:endParaRPr lang="en-US"/>
+          </a:p>
+        </p:txBody>
+      </p:sp>
+      <p:sp>
+        <p:nvSpPr>
+          <p:cNvPr id="8" name="TextBox 7"/>
+          <p:cNvSpPr txBox="1"/>
+          <p:nvPr/>
+        </p:nvSpPr>
+        <p:spPr>
+          <a:xfrm>
+            <a:off x="914400" y="1123950"/>
+            <a:ext cx="5847310" cy="1569660"/>
+          </a:xfrm>
+          <a:prstGeom prst="rect">
+            <a:avLst/>
+          </a:prstGeom>
+          <a:noFill/>
+        </p:spPr>
+        <p:txBody>
+          <a:bodyPr wrap="square" rtlCol="0">
+            <a:spAutoFit/>
+          </a:bodyPr>
+          <a:lstStyle/>
+          <a:p>
+            <a:r>
+              <a:rPr lang="en-US" sz="2400" dirty="0" smtClean="0"/>
+              <a:t>To start you need:</a:t>
+            </a:r>
+          </a:p>
+          <a:p>
+            <a:r>
+              <a:rPr lang="en-US" sz="2400" dirty="0"/>
+              <a:t>	</a:t>
+            </a:r>
+            <a:r>
+              <a:rPr lang="en-US" sz="2400" b="1" dirty="0" smtClean="0"/>
+              <a:t>sample-eureka</a:t>
+            </a:r>
+          </a:p>
+          <a:p>
+            <a:r>
+              <a:rPr lang="en-US" sz="2400" b="1" dirty="0"/>
+              <a:t>	</a:t>
+            </a:r>
+            <a:r>
+              <a:rPr lang="en-US" sz="2400" b="1" dirty="0" smtClean="0"/>
+              <a:t>sample-membership</a:t>
+            </a:r>
+          </a:p>
+          <a:p>
+            <a:r>
+              <a:rPr lang="en-US" sz="2400" b="1" dirty="0"/>
+              <a:t>	</a:t>
+            </a:r>
+            <a:r>
+              <a:rPr lang="en-US" sz="2400" b="1" dirty="0" smtClean="0"/>
+              <a:t>sample-recommendations</a:t>
+            </a:r>
+          </a:p>
+        </p:txBody>
+      </p:sp>
+      <p:sp>
+        <p:nvSpPr>
+          <p:cNvPr id="9" name="TextBox 8"/>
+          <p:cNvSpPr txBox="1"/>
+          <p:nvPr/>
+        </p:nvSpPr>
+        <p:spPr>
+          <a:xfrm>
+            <a:off x="914400" y="2724150"/>
+            <a:ext cx="7200121" cy="830997"/>
+          </a:xfrm>
+          <a:prstGeom prst="rect">
+            <a:avLst/>
+          </a:prstGeom>
+          <a:noFill/>
+        </p:spPr>
+        <p:txBody>
+          <a:bodyPr wrap="none" rtlCol="0">
+            <a:spAutoFit/>
+          </a:bodyPr>
+          <a:lstStyle/>
+          <a:p>
+            <a:r>
+              <a:rPr lang="en-US" sz="2400" dirty="0" smtClean="0"/>
+              <a:t>From the directory where you clone </a:t>
+            </a:r>
+            <a:r>
+              <a:rPr lang="en-US" sz="2400" b="1" dirty="0" smtClean="0"/>
+              <a:t>sample-eureka:</a:t>
+            </a:r>
+          </a:p>
+          <a:p>
+            <a:r>
+              <a:rPr lang="en-US" sz="2400" dirty="0"/>
+              <a:t>	</a:t>
+            </a:r>
+            <a:r>
+              <a:rPr lang="en-US" sz="2400" b="1" dirty="0" smtClean="0"/>
+              <a:t>./</a:t>
+            </a:r>
+            <a:r>
+              <a:rPr lang="en-US" sz="2400" b="1" dirty="0" err="1" smtClean="0"/>
+              <a:t>gradlew</a:t>
+            </a:r>
+            <a:r>
+              <a:rPr lang="en-US" sz="2400" b="1" dirty="0" smtClean="0"/>
+              <a:t> </a:t>
+            </a:r>
+            <a:r>
+              <a:rPr lang="en-US" sz="2400" b="1" dirty="0" err="1" smtClean="0"/>
+              <a:t>bootRun</a:t>
+            </a:r>
+            <a:r>
+              <a:rPr lang="en-US" sz="2400" b="1" dirty="0" smtClean="0"/>
+              <a:t> &gt; </a:t>
+            </a:r>
+            <a:r>
+              <a:rPr lang="en-US" sz="2400" b="1" dirty="0" err="1" smtClean="0"/>
+              <a:t>out.log</a:t>
+            </a:r>
+            <a:endParaRPr lang="en-US" sz="2400" b="1" dirty="0" smtClean="0"/>
+          </a:p>
+        </p:txBody>
+      </p:sp>
+      <p:sp>
+        <p:nvSpPr>
+          <p:cNvPr id="10" name="TextBox 9"/>
+          <p:cNvSpPr txBox="1"/>
+          <p:nvPr/>
+        </p:nvSpPr>
+        <p:spPr>
+          <a:xfrm>
+            <a:off x="914400" y="3714750"/>
+            <a:ext cx="7977872" cy="830997"/>
+          </a:xfrm>
+          <a:prstGeom prst="rect">
+            <a:avLst/>
+          </a:prstGeom>
+          <a:noFill/>
+        </p:spPr>
+        <p:txBody>
+          <a:bodyPr wrap="none" rtlCol="0">
+            <a:spAutoFit/>
+          </a:bodyPr>
+          <a:lstStyle/>
+          <a:p>
+            <a:r>
+              <a:rPr lang="en-US" sz="2400" dirty="0" smtClean="0"/>
+              <a:t>From the directory where you clone </a:t>
+            </a:r>
+            <a:r>
+              <a:rPr lang="en-US" sz="2400" b="1" dirty="0" smtClean="0"/>
+              <a:t>sample-membership:</a:t>
+            </a:r>
+          </a:p>
+          <a:p>
+            <a:r>
+              <a:rPr lang="en-US" sz="2400" dirty="0"/>
+              <a:t>	</a:t>
+            </a:r>
+            <a:r>
+              <a:rPr lang="en-US" sz="2400" b="1" dirty="0" smtClean="0"/>
+              <a:t>./</a:t>
+            </a:r>
+            <a:r>
+              <a:rPr lang="en-US" sz="2400" b="1" dirty="0" err="1" smtClean="0"/>
+              <a:t>gradlew</a:t>
+            </a:r>
+            <a:r>
+              <a:rPr lang="en-US" sz="2400" b="1" dirty="0" smtClean="0"/>
+              <a:t> </a:t>
+            </a:r>
+            <a:r>
+              <a:rPr lang="en-US" sz="2400" b="1" dirty="0" err="1" smtClean="0"/>
+              <a:t>bootRun</a:t>
+            </a:r>
+            <a:r>
+              <a:rPr lang="en-US" sz="2400" b="1" dirty="0" smtClean="0"/>
+              <a:t> &gt; </a:t>
+            </a:r>
+            <a:r>
+              <a:rPr lang="en-US" sz="2400" b="1" dirty="0" err="1" smtClean="0"/>
+              <a:t>out.log</a:t>
+            </a:r>
+            <a:endParaRPr lang="en-US" sz="2400" b="1" dirty="0" smtClean="0"/>
           </a:p>
         </p:txBody>
       </p:sp>
